--- a/doc/前后端设计.pptx
+++ b/doc/前后端设计.pptx
@@ -15,6 +15,7 @@
     <p:sldId id="272" r:id="rId10"/>
     <p:sldId id="274" r:id="rId11"/>
     <p:sldId id="278" r:id="rId12"/>
+    <p:sldId id="279" r:id="rId13"/>
   </p:sldIdLst>
   <p:sldSz cx="12192000" cy="6858000"/>
   <p:notesSz cx="7103745" cy="10234295"/>
@@ -19737,6 +19738,51 @@
 </p:sld>
 </file>
 
+<file path=ppt/slides/slide10.xml><?xml version="1.0" encoding="utf-8"?>
+<p:sld xmlns:a="http://schemas.openxmlformats.org/drawingml/2006/main" xmlns:r="http://schemas.openxmlformats.org/officeDocument/2006/relationships" xmlns:p="http://schemas.openxmlformats.org/presentationml/2006/main">
+  <p:cSld>
+    <p:spTree>
+      <p:nvGrpSpPr>
+        <p:cNvPr id="1" name=""/>
+        <p:cNvGrpSpPr/>
+        <p:nvPr/>
+      </p:nvGrpSpPr>
+      <p:grpSpPr/>
+      <p:pic>
+        <p:nvPicPr>
+          <p:cNvPr id="2" name="图片 1"/>
+          <p:cNvPicPr>
+            <a:picLocks noChangeAspect="1"/>
+          </p:cNvPicPr>
+          <p:nvPr/>
+        </p:nvPicPr>
+        <p:blipFill>
+          <a:blip r:embed="rId1"/>
+          <a:stretch>
+            <a:fillRect/>
+          </a:stretch>
+        </p:blipFill>
+        <p:spPr>
+          <a:xfrm>
+            <a:off x="383540" y="606425"/>
+            <a:ext cx="8053070" cy="5100320"/>
+          </a:xfrm>
+          <a:prstGeom prst="rect">
+            <a:avLst/>
+          </a:prstGeom>
+        </p:spPr>
+      </p:pic>
+    </p:spTree>
+    <p:custDataLst>
+      <p:tags r:id="rId2"/>
+    </p:custDataLst>
+  </p:cSld>
+  <p:clrMapOvr>
+    <a:masterClrMapping/>
+  </p:clrMapOvr>
+</p:sld>
+</file>
+
 <file path=ppt/slides/slide2.xml><?xml version="1.0" encoding="utf-8"?>
 <p:sld xmlns:a="http://schemas.openxmlformats.org/drawingml/2006/main" xmlns:r="http://schemas.openxmlformats.org/officeDocument/2006/relationships" xmlns:p="http://schemas.openxmlformats.org/presentationml/2006/main">
   <p:cSld>
@@ -21095,53 +21141,24 @@
         <p:nvPr/>
       </p:nvGrpSpPr>
       <p:grpSpPr/>
-      <p:sp>
-        <p:nvSpPr>
-          <p:cNvPr id="2" name="标题 1"/>
-          <p:cNvSpPr>
-            <a:spLocks noGrp="1"/>
-          </p:cNvSpPr>
-          <p:nvPr>
-            <p:ph type="ctrTitle" idx="16385"/>
-            <p:custDataLst>
-              <p:tags r:id="rId1"/>
-            </p:custDataLst>
-          </p:nvPr>
-        </p:nvSpPr>
-        <p:spPr/>
-        <p:txBody>
-          <a:bodyPr/>
-          <a:p>
-            <a:r>
-              <a:rPr lang="zh-CN" altLang="en-US" sz="3300">
-                <a:solidFill>
-                  <a:schemeClr val="tx1"/>
-                </a:solidFill>
-              </a:rPr>
-              <a:t>系统架构</a:t>
-            </a:r>
-            <a:endParaRPr lang="zh-CN" altLang="en-US"/>
-          </a:p>
-        </p:txBody>
-      </p:sp>
       <p:pic>
         <p:nvPicPr>
-          <p:cNvPr id="3" name="图片 2" descr="post_object_image_2442749222"/>
+          <p:cNvPr id="5" name="图片 4"/>
           <p:cNvPicPr>
             <a:picLocks noChangeAspect="1"/>
           </p:cNvPicPr>
           <p:nvPr/>
         </p:nvPicPr>
         <p:blipFill>
-          <a:blip r:embed="rId2"/>
+          <a:blip r:embed="rId1"/>
           <a:stretch>
             <a:fillRect/>
           </a:stretch>
         </p:blipFill>
         <p:spPr>
           <a:xfrm>
-            <a:off x="517479" y="1289743"/>
-            <a:ext cx="8982228" cy="5568318"/>
+            <a:off x="194945" y="460375"/>
+            <a:ext cx="9682480" cy="5368925"/>
           </a:xfrm>
           <a:prstGeom prst="rect">
             <a:avLst/>
@@ -21150,7 +21167,7 @@
       </p:pic>
     </p:spTree>
     <p:custDataLst>
-      <p:tags r:id="rId3"/>
+      <p:tags r:id="rId2"/>
     </p:custDataLst>
   </p:cSld>
   <p:clrMapOvr>
@@ -24357,18 +24374,6 @@
 
 <file path=ppt/tags/tag268.xml><?xml version="1.0" encoding="utf-8"?>
 <p:tagLst xmlns:p="http://schemas.openxmlformats.org/presentationml/2006/main">
-  <p:tag name="KSO_WM_BEAUTIFY_FLAG" val="#fgm#"/>
-  <p:tag name="KSO_WM_FIGMA_FLAG" val="#fgm#"/>
-  <p:tag name="KSO_WM_UNIT_INDEX" val="1"/>
-  <p:tag name="KSO_WM_UNIT_TYPE" val="a"/>
-  <p:tag name="KSO_WM_LAYOUT_CHECK_HASH" val="aadcb493368c267b76eef608f98d6d2d6f203fbc"/>
-  <p:tag name="KSO_WM_NEWLAYOUT_ID" val="slide_35973bdb15ed0cef"/>
-  <p:tag name="KSO_WM_UNIT_PRESET_TEXT" val="单击此处添加标题"/>
-</p:tagLst>
-</file>
-
-<file path=ppt/tags/tag269.xml><?xml version="1.0" encoding="utf-8"?>
-<p:tagLst xmlns:p="http://schemas.openxmlformats.org/presentationml/2006/main">
   <p:tag name="KSO_WM_SLIDE_HAS_MASK" val="0"/>
   <p:tag name="KSO_WM_SLIDE_ITEM_CNT" val="3"/>
   <p:tag name="KSO_WM_SLIDE_TYPE" val="text"/>
@@ -24381,17 +24386,7 @@
 </p:tagLst>
 </file>
 
-<file path=ppt/tags/tag27.xml><?xml version="1.0" encoding="utf-8"?>
-<p:tagLst xmlns:p="http://schemas.openxmlformats.org/presentationml/2006/main">
-  <p:tag name="KSO_WM_BEAUTIFY_FLAG" val="#fgm#"/>
-  <p:tag name="KSO_WM_DIAGRAM_GROUP_CODE" val="1"/>
-  <p:tag name="KSO_WM_FIGMA_FLAG" val="#fgm#"/>
-  <p:tag name="KSO_WM_UNIT_INDEX" val="1_2_1"/>
-  <p:tag name="KSO_WM_UNIT_TYPE" val="l_h_f"/>
-</p:tagLst>
-</file>
-
-<file path=ppt/tags/tag270.xml><?xml version="1.0" encoding="utf-8"?>
+<file path=ppt/tags/tag269.xml><?xml version="1.0" encoding="utf-8"?>
 <p:tagLst xmlns:p="http://schemas.openxmlformats.org/presentationml/2006/main">
   <p:tag name="KSO_WM_UNIT_TYPE" val="a"/>
   <p:tag name="KSO_WM_BEAUTIFY_FLAG" val="#wm#"/>
@@ -24415,7 +24410,17 @@
 </p:tagLst>
 </file>
 
-<file path=ppt/tags/tag271.xml><?xml version="1.0" encoding="utf-8"?>
+<file path=ppt/tags/tag27.xml><?xml version="1.0" encoding="utf-8"?>
+<p:tagLst xmlns:p="http://schemas.openxmlformats.org/presentationml/2006/main">
+  <p:tag name="KSO_WM_BEAUTIFY_FLAG" val="#fgm#"/>
+  <p:tag name="KSO_WM_DIAGRAM_GROUP_CODE" val="1"/>
+  <p:tag name="KSO_WM_FIGMA_FLAG" val="#fgm#"/>
+  <p:tag name="KSO_WM_UNIT_INDEX" val="1_2_1"/>
+  <p:tag name="KSO_WM_UNIT_TYPE" val="l_h_f"/>
+</p:tagLst>
+</file>
+
+<file path=ppt/tags/tag270.xml><?xml version="1.0" encoding="utf-8"?>
 <p:tagLst xmlns:p="http://schemas.openxmlformats.org/presentationml/2006/main">
   <p:tag name="KSO_WM_UNIT_TYPE" val="e"/>
   <p:tag name="KSO_WM_BEAUTIFY_FLAG" val="#wm#"/>
@@ -24436,7 +24441,7 @@
 </p:tagLst>
 </file>
 
-<file path=ppt/tags/tag272.xml><?xml version="1.0" encoding="utf-8"?>
+<file path=ppt/tags/tag271.xml><?xml version="1.0" encoding="utf-8"?>
 <p:tagLst xmlns:p="http://schemas.openxmlformats.org/presentationml/2006/main">
   <p:tag name="KSO_WM_SLIDE_CONTENT_ORIENTATION" val="left"/>
   <p:tag name="KSO_WM_SLIDE_HAS_MASK" val="0"/>
@@ -24455,6 +24460,20 @@
   <p:tag name="KSO_WM_TAG_VERSION" val="3.0"/>
   <p:tag name="CP_OUTLINE_TITLE" val="当前现状"/>
   <p:tag name="CP_OUTLINE_TYPE" val="pt_section_title"/>
+</p:tagLst>
+</file>
+
+<file path=ppt/tags/tag272.xml><?xml version="1.0" encoding="utf-8"?>
+<p:tagLst xmlns:p="http://schemas.openxmlformats.org/presentationml/2006/main">
+  <p:tag name="KSO_WM_SLIDE_HAS_MASK" val="0"/>
+  <p:tag name="KSO_WM_SLIDE_ITEM_CNT" val="3"/>
+  <p:tag name="KSO_WM_SLIDE_TYPE" val="text"/>
+  <p:tag name="KSO_WM_TEMPLATE_SUBCATEGORY" val="29"/>
+  <p:tag name="KSO_WM_BEAUTIFY_FLAG" val="#wm#"/>
+  <p:tag name="KSO_WM_TEMPLATE_FIGMA_ID" val="69796630797"/>
+  <p:tag name="KSO_WM_TEMPLATE_SLIDE_ID" val="slide_35973bdb15ed0cef"/>
+  <p:tag name="CP_OUTLINE_TITLE" val="智能化需求迫切"/>
+  <p:tag name="CP_OUTLINE_TYPE" val="pt_text"/>
 </p:tagLst>
 </file>
 
